--- a/Presentation.pptx
+++ b/Presentation.pptx
@@ -6,12 +6,13 @@
   </p:sldMasterIdLst>
   <p:sldIdLst>
     <p:sldId id="256" r:id="rId2"/>
-    <p:sldId id="257" r:id="rId3"/>
-    <p:sldId id="258" r:id="rId4"/>
-    <p:sldId id="259" r:id="rId5"/>
-    <p:sldId id="261" r:id="rId6"/>
-    <p:sldId id="262" r:id="rId7"/>
-    <p:sldId id="263" r:id="rId8"/>
+    <p:sldId id="264" r:id="rId3"/>
+    <p:sldId id="257" r:id="rId4"/>
+    <p:sldId id="258" r:id="rId5"/>
+    <p:sldId id="259" r:id="rId6"/>
+    <p:sldId id="261" r:id="rId7"/>
+    <p:sldId id="262" r:id="rId8"/>
+    <p:sldId id="263" r:id="rId9"/>
   </p:sldIdLst>
   <p:sldSz cx="12192000" cy="6858000"/>
   <p:notesSz cx="6858000" cy="9144000"/>
@@ -5698,14 +5699,35 @@
         </p:nvSpPr>
         <p:spPr/>
         <p:txBody>
-          <a:bodyPr/>
+          <a:bodyPr>
+            <a:normAutofit fontScale="92500" lnSpcReduction="10000"/>
+          </a:bodyPr>
           <a:lstStyle/>
           <a:p>
             <a:r>
               <a:rPr lang="en-US" dirty="0" smtClean="0"/>
               <a:t>By David Yuan</a:t>
             </a:r>
-            <a:endParaRPr lang="en-US" dirty="0"/>
+          </a:p>
+          <a:p>
+            <a:r>
+              <a:rPr lang="en-US" dirty="0" err="1" smtClean="0"/>
+              <a:t>Github</a:t>
+            </a:r>
+            <a:r>
+              <a:rPr lang="en-US" dirty="0" smtClean="0"/>
+              <a:t> repo: </a:t>
+            </a:r>
+            <a:r>
+              <a:rPr lang="en-US" dirty="0">
+                <a:hlinkClick r:id="rId2"/>
+              </a:rPr>
+              <a:t>https://github.com/davidnyuan/343ExtraCreditTutorial</a:t>
+            </a:r>
+            <a:r>
+              <a:rPr lang="en-US" dirty="0"/>
+              <a:t> </a:t>
+            </a:r>
           </a:p>
         </p:txBody>
       </p:sp>
@@ -5756,7 +5778,7 @@
           <a:p>
             <a:r>
               <a:rPr lang="en-US" dirty="0" smtClean="0"/>
-              <a:t>What is d3?</a:t>
+              <a:t>Resources</a:t>
             </a:r>
             <a:endParaRPr lang="en-US" dirty="0"/>
           </a:p>
@@ -5778,78 +5800,110 @@
           <a:lstStyle/>
           <a:p>
             <a:r>
-              <a:rPr lang="en-US" dirty="0" smtClean="0"/>
-              <a:t>D3, or ”Data-Driven-Documents” is a JS library used for producing dynamic, interactive data visualizations within your browser</a:t>
-            </a:r>
-            <a:br>
-              <a:rPr lang="en-US" dirty="0" smtClean="0"/>
-            </a:br>
-            <a:endParaRPr lang="en-US" dirty="0" smtClean="0"/>
-          </a:p>
-          <a:p>
-            <a:r>
-              <a:rPr lang="en-US" dirty="0" smtClean="0"/>
-              <a:t>Focus is to allow programmers to modify CSS properties given DOM nodes.</a:t>
-            </a:r>
-            <a:br>
-              <a:rPr lang="en-US" dirty="0" smtClean="0"/>
-            </a:br>
-            <a:endParaRPr lang="en-US" dirty="0" smtClean="0"/>
-          </a:p>
-          <a:p>
-            <a:r>
-              <a:rPr lang="en-US" dirty="0" smtClean="0"/>
-              <a:t>Created by Mike </a:t>
-            </a:r>
-            <a:r>
-              <a:rPr lang="en-US" dirty="0" err="1" smtClean="0"/>
-              <a:t>Bostock</a:t>
-            </a:r>
-            <a:r>
-              <a:rPr lang="en-US" dirty="0" smtClean="0"/>
-              <a:t> and Jeffrey </a:t>
-            </a:r>
-            <a:r>
-              <a:rPr lang="en-US" dirty="0" err="1" smtClean="0"/>
-              <a:t>Heer</a:t>
-            </a:r>
-            <a:r>
-              <a:rPr lang="en-US" dirty="0" smtClean="0"/>
-              <a:t> (UW </a:t>
-            </a:r>
-            <a:r>
-              <a:rPr lang="en-US" dirty="0" err="1" smtClean="0"/>
-              <a:t>Professory</a:t>
-            </a:r>
-            <a:r>
-              <a:rPr lang="en-US" dirty="0" smtClean="0"/>
-              <a:t>, yay!)</a:t>
-            </a:r>
-          </a:p>
-          <a:p>
-            <a:endParaRPr lang="en-US" dirty="0"/>
-          </a:p>
-          <a:p>
-            <a:r>
-              <a:rPr lang="en-US" dirty="0"/>
-              <a:t>Learn more: </a:t>
-            </a:r>
-            <a:r>
-              <a:rPr lang="en-US" dirty="0">
+              <a:rPr lang="en-US">
                 <a:hlinkClick r:id="rId2"/>
               </a:rPr>
-              <a:t>https://d3js.org</a:t>
-            </a:r>
-            <a:r>
-              <a:rPr lang="en-US" dirty="0" smtClean="0">
+              <a:t>https://</a:t>
+            </a:r>
+            <a:r>
+              <a:rPr lang="en-US">
+                <a:hlinkClick r:id="rId2"/>
+              </a:rPr>
+              <a:t>d3js.org</a:t>
+            </a:r>
+            <a:r>
+              <a:rPr lang="en-US" smtClean="0">
                 <a:hlinkClick r:id="rId2"/>
               </a:rPr>
               <a:t>/</a:t>
             </a:r>
             <a:r>
+              <a:rPr lang="en-US" smtClean="0"/>
+              <a:t> </a:t>
+            </a:r>
+            <a:endParaRPr lang="en-US"/>
+          </a:p>
+          <a:p>
+            <a:r>
+              <a:rPr lang="en-US" dirty="0" smtClean="0"/>
+              <a:t>Scott </a:t>
+            </a:r>
+            <a:r>
+              <a:rPr lang="en-US" dirty="0"/>
+              <a:t>Murray’s D3 tutorial: </a:t>
+            </a:r>
+            <a:r>
+              <a:rPr lang="en-US" dirty="0">
+                <a:hlinkClick r:id="rId3"/>
+              </a:rPr>
+              <a:t>http://alignedleft.com/tutorials/d3</a:t>
+            </a:r>
+            <a:r>
+              <a:rPr lang="en-US" dirty="0" smtClean="0">
+                <a:hlinkClick r:id="rId3"/>
+              </a:rPr>
+              <a:t>/</a:t>
+            </a:r>
+            <a:endParaRPr lang="en-US" dirty="0" smtClean="0"/>
+          </a:p>
+          <a:p>
+            <a:r>
+              <a:rPr lang="en-US" dirty="0" smtClean="0"/>
+              <a:t>Mike </a:t>
+            </a:r>
+            <a:r>
+              <a:rPr lang="en-US" dirty="0" err="1" smtClean="0"/>
+              <a:t>Bostrock</a:t>
+            </a:r>
+            <a:r>
+              <a:rPr lang="en-US" dirty="0" smtClean="0"/>
+              <a:t>: </a:t>
+            </a:r>
+            <a:r>
+              <a:rPr lang="en-US" dirty="0">
+                <a:hlinkClick r:id="rId4"/>
+              </a:rPr>
+              <a:t>https://bost.ocks.org/mike/bar</a:t>
+            </a:r>
+            <a:r>
+              <a:rPr lang="en-US" dirty="0" smtClean="0">
+                <a:hlinkClick r:id="rId4"/>
+              </a:rPr>
+              <a:t>/</a:t>
+            </a:r>
+            <a:endParaRPr lang="en-US" dirty="0" smtClean="0"/>
+          </a:p>
+          <a:p>
+            <a:r>
+              <a:rPr lang="en-US" dirty="0"/>
+              <a:t>Christopher </a:t>
+            </a:r>
+            <a:r>
+              <a:rPr lang="en-US" dirty="0" err="1"/>
+              <a:t>Viau</a:t>
+            </a:r>
+            <a:r>
+              <a:rPr lang="en-US" dirty="0"/>
+              <a:t>: </a:t>
+            </a:r>
+            <a:r>
+              <a:rPr lang="en-US" dirty="0">
+                <a:hlinkClick r:id="rId5"/>
+              </a:rPr>
+              <a:t>http://christopheviau.com/d3_tutorial</a:t>
+            </a:r>
+            <a:r>
+              <a:rPr lang="en-US" dirty="0" smtClean="0">
+                <a:hlinkClick r:id="rId5"/>
+              </a:rPr>
+              <a:t>/</a:t>
+            </a:r>
+            <a:r>
               <a:rPr lang="en-US" dirty="0" smtClean="0"/>
               <a:t> </a:t>
             </a:r>
+          </a:p>
+          <a:p>
             <a:endParaRPr lang="en-US" dirty="0"/>
           </a:p>
         </p:txBody>
@@ -5857,7 +5911,7 @@
     </p:spTree>
     <p:extLst>
       <p:ext uri="{BB962C8B-B14F-4D97-AF65-F5344CB8AC3E}">
-        <p14:creationId xmlns:p14="http://schemas.microsoft.com/office/powerpoint/2010/main" val="1607701503"/>
+        <p14:creationId xmlns:p14="http://schemas.microsoft.com/office/powerpoint/2010/main" val="703112621"/>
       </p:ext>
     </p:extLst>
   </p:cSld>
@@ -5901,7 +5955,7 @@
           <a:p>
             <a:r>
               <a:rPr lang="en-US" dirty="0" smtClean="0"/>
-              <a:t>Why use it?</a:t>
+              <a:t>What is d3?</a:t>
             </a:r>
             <a:endParaRPr lang="en-US" dirty="0"/>
           </a:p>
@@ -5924,16 +5978,76 @@
           <a:p>
             <a:r>
               <a:rPr lang="en-US" dirty="0" smtClean="0"/>
-              <a:t>As a programmer, D3 gives you immense power over how your framework feels, and how your users interact with it -&gt; very versatile</a:t>
-            </a:r>
-          </a:p>
-          <a:p>
-            <a:endParaRPr lang="en-US" dirty="0"/>
-          </a:p>
-          <a:p>
-            <a:r>
+              <a:t>D3, or ”Data-Driven-Documents” is a JS library used for producing dynamic, interactive data visualizations within your browser</a:t>
+            </a:r>
+            <a:br>
               <a:rPr lang="en-US" dirty="0" smtClean="0"/>
-              <a:t>Great for whenever you have to share data with the users through a front-end interface</a:t>
+            </a:br>
+            <a:endParaRPr lang="en-US" dirty="0" smtClean="0"/>
+          </a:p>
+          <a:p>
+            <a:r>
+              <a:rPr lang="en-US" dirty="0" smtClean="0"/>
+              <a:t>Focus is to allow programmers to modify CSS properties given DOM nodes.</a:t>
+            </a:r>
+            <a:br>
+              <a:rPr lang="en-US" dirty="0" smtClean="0"/>
+            </a:br>
+            <a:endParaRPr lang="en-US" dirty="0" smtClean="0"/>
+          </a:p>
+          <a:p>
+            <a:r>
+              <a:rPr lang="en-US" dirty="0" smtClean="0"/>
+              <a:t>Created by Mike </a:t>
+            </a:r>
+            <a:r>
+              <a:rPr lang="en-US" dirty="0" err="1" smtClean="0"/>
+              <a:t>Bostock</a:t>
+            </a:r>
+            <a:r>
+              <a:rPr lang="en-US" dirty="0" smtClean="0"/>
+              <a:t> and Jeffrey </a:t>
+            </a:r>
+            <a:r>
+              <a:rPr lang="en-US" dirty="0" err="1" smtClean="0"/>
+              <a:t>Heer</a:t>
+            </a:r>
+            <a:r>
+              <a:rPr lang="en-US" dirty="0" smtClean="0"/>
+              <a:t> (UW </a:t>
+            </a:r>
+            <a:r>
+              <a:rPr lang="en-US" dirty="0" err="1" smtClean="0"/>
+              <a:t>Professory</a:t>
+            </a:r>
+            <a:r>
+              <a:rPr lang="en-US" dirty="0" smtClean="0"/>
+              <a:t>, yay!)</a:t>
+            </a:r>
+          </a:p>
+          <a:p>
+            <a:endParaRPr lang="en-US" dirty="0"/>
+          </a:p>
+          <a:p>
+            <a:r>
+              <a:rPr lang="en-US" dirty="0"/>
+              <a:t>Learn more: </a:t>
+            </a:r>
+            <a:r>
+              <a:rPr lang="en-US" dirty="0">
+                <a:hlinkClick r:id="rId2"/>
+              </a:rPr>
+              <a:t>https://d3js.org</a:t>
+            </a:r>
+            <a:r>
+              <a:rPr lang="en-US" dirty="0" smtClean="0">
+                <a:hlinkClick r:id="rId2"/>
+              </a:rPr>
+              <a:t>/</a:t>
+            </a:r>
+            <a:r>
+              <a:rPr lang="en-US" dirty="0" smtClean="0"/>
+              <a:t> </a:t>
             </a:r>
             <a:endParaRPr lang="en-US" dirty="0"/>
           </a:p>
@@ -5942,7 +6056,7 @@
     </p:spTree>
     <p:extLst>
       <p:ext uri="{BB962C8B-B14F-4D97-AF65-F5344CB8AC3E}">
-        <p14:creationId xmlns:p14="http://schemas.microsoft.com/office/powerpoint/2010/main" val="1643210206"/>
+        <p14:creationId xmlns:p14="http://schemas.microsoft.com/office/powerpoint/2010/main" val="1607701503"/>
       </p:ext>
     </p:extLst>
   </p:cSld>
@@ -5986,7 +6100,7 @@
           <a:p>
             <a:r>
               <a:rPr lang="en-US" dirty="0" smtClean="0"/>
-              <a:t>Why not to use it</a:t>
+              <a:t>Why use it?</a:t>
             </a:r>
             <a:endParaRPr lang="en-US" dirty="0"/>
           </a:p>
@@ -6009,7 +6123,7 @@
           <a:p>
             <a:r>
               <a:rPr lang="en-US" dirty="0" smtClean="0"/>
-              <a:t>High learning curve but harder to pick up</a:t>
+              <a:t>As a programmer, D3 gives you immense power over how your framework feels, and how your users interact with it -&gt; very versatile</a:t>
             </a:r>
           </a:p>
           <a:p>
@@ -6018,56 +6132,8 @@
           <a:p>
             <a:r>
               <a:rPr lang="en-US" dirty="0" smtClean="0"/>
-              <a:t>Before you’ve learned html/</a:t>
-            </a:r>
-            <a:r>
-              <a:rPr lang="en-US" dirty="0" err="1" smtClean="0"/>
-              <a:t>css</a:t>
-            </a:r>
-            <a:r>
-              <a:rPr lang="en-US" dirty="0" smtClean="0"/>
-              <a:t>/</a:t>
-            </a:r>
-            <a:r>
-              <a:rPr lang="en-US" dirty="0" err="1" smtClean="0"/>
-              <a:t>js</a:t>
-            </a:r>
-            <a:r>
-              <a:rPr lang="en-US" dirty="0" smtClean="0"/>
-              <a:t>. If you learn these </a:t>
-            </a:r>
-            <a:r>
-              <a:rPr lang="en-US" u="sng" dirty="0" smtClean="0"/>
-              <a:t>in order</a:t>
-            </a:r>
-            <a:r>
-              <a:rPr lang="en-US" dirty="0" smtClean="0"/>
-              <a:t> to learn D3, this could result in a very limited mindset. However, if you learn D3 after learning the three, this would give you the choice of when to use D3, other libraries, or just native </a:t>
-            </a:r>
-            <a:r>
-              <a:rPr lang="en-US" dirty="0" err="1" smtClean="0"/>
-              <a:t>js</a:t>
-            </a:r>
-            <a:r>
-              <a:rPr lang="en-US" dirty="0" smtClean="0"/>
-              <a:t>.</a:t>
-            </a:r>
-            <a:br>
-              <a:rPr lang="en-US" dirty="0" smtClean="0"/>
-            </a:br>
-            <a:endParaRPr lang="en-US" dirty="0" smtClean="0"/>
-          </a:p>
-          <a:p>
-            <a:r>
-              <a:rPr lang="en-US" dirty="0" smtClean="0"/>
-              <a:t>Overkill for your current project, and too time consuming</a:t>
-            </a:r>
-            <a:br>
-              <a:rPr lang="en-US" dirty="0" smtClean="0"/>
-            </a:br>
-            <a:endParaRPr lang="en-US" dirty="0" smtClean="0"/>
-          </a:p>
-          <a:p>
+              <a:t>Great for whenever you have to share data with the users through a front-end interface</a:t>
+            </a:r>
             <a:endParaRPr lang="en-US" dirty="0"/>
           </a:p>
         </p:txBody>
@@ -6075,7 +6141,7 @@
     </p:spTree>
     <p:extLst>
       <p:ext uri="{BB962C8B-B14F-4D97-AF65-F5344CB8AC3E}">
-        <p14:creationId xmlns:p14="http://schemas.microsoft.com/office/powerpoint/2010/main" val="93958436"/>
+        <p14:creationId xmlns:p14="http://schemas.microsoft.com/office/powerpoint/2010/main" val="1643210206"/>
       </p:ext>
     </p:extLst>
   </p:cSld>
@@ -6109,7 +6175,7 @@
             <a:spLocks noGrp="1"/>
           </p:cNvSpPr>
           <p:nvPr>
-            <p:ph type="ctrTitle"/>
+            <p:ph type="title"/>
           </p:nvPr>
         </p:nvSpPr>
         <p:spPr/>
@@ -6117,23 +6183,22 @@
           <a:bodyPr/>
           <a:lstStyle/>
           <a:p>
-            <a:pPr algn="ctr"/>
             <a:r>
               <a:rPr lang="en-US" dirty="0" smtClean="0"/>
-              <a:t>Let’s get started</a:t>
-            </a:r>
-            <a:endParaRPr lang="en-US" dirty="0"/>
-          </a:p>
-        </p:txBody>
-      </p:sp>
-      <p:sp>
-        <p:nvSpPr>
-          <p:cNvPr id="3" name="Subtitle 2"/>
-          <p:cNvSpPr>
-            <a:spLocks noGrp="1"/>
-          </p:cNvSpPr>
-          <p:nvPr>
-            <p:ph type="subTitle" idx="1"/>
+              <a:t>Why not to use it</a:t>
+            </a:r>
+            <a:endParaRPr lang="en-US" dirty="0"/>
+          </a:p>
+        </p:txBody>
+      </p:sp>
+      <p:sp>
+        <p:nvSpPr>
+          <p:cNvPr id="3" name="Content Placeholder 2"/>
+          <p:cNvSpPr>
+            <a:spLocks noGrp="1"/>
+          </p:cNvSpPr>
+          <p:nvPr>
+            <p:ph idx="1"/>
           </p:nvPr>
         </p:nvSpPr>
         <p:spPr/>
@@ -6141,14 +6206,75 @@
           <a:bodyPr/>
           <a:lstStyle/>
           <a:p>
-            <a:endParaRPr lang="en-US"/>
+            <a:r>
+              <a:rPr lang="en-US" dirty="0" smtClean="0"/>
+              <a:t>High learning curve but harder to pick up</a:t>
+            </a:r>
+          </a:p>
+          <a:p>
+            <a:endParaRPr lang="en-US" dirty="0"/>
+          </a:p>
+          <a:p>
+            <a:r>
+              <a:rPr lang="en-US" dirty="0" smtClean="0"/>
+              <a:t>Before you’ve learned html/</a:t>
+            </a:r>
+            <a:r>
+              <a:rPr lang="en-US" dirty="0" err="1" smtClean="0"/>
+              <a:t>css</a:t>
+            </a:r>
+            <a:r>
+              <a:rPr lang="en-US" dirty="0" smtClean="0"/>
+              <a:t>/</a:t>
+            </a:r>
+            <a:r>
+              <a:rPr lang="en-US" dirty="0" err="1" smtClean="0"/>
+              <a:t>js</a:t>
+            </a:r>
+            <a:r>
+              <a:rPr lang="en-US" dirty="0" smtClean="0"/>
+              <a:t>. If you learn these </a:t>
+            </a:r>
+            <a:r>
+              <a:rPr lang="en-US" u="sng" dirty="0" smtClean="0"/>
+              <a:t>in order</a:t>
+            </a:r>
+            <a:r>
+              <a:rPr lang="en-US" dirty="0" smtClean="0"/>
+              <a:t> to learn D3, this could result in a very limited mindset. However, if you learn D3 after learning the three, this would give you the choice of when to use D3, other libraries, or just native </a:t>
+            </a:r>
+            <a:r>
+              <a:rPr lang="en-US" dirty="0" err="1" smtClean="0"/>
+              <a:t>js</a:t>
+            </a:r>
+            <a:r>
+              <a:rPr lang="en-US" dirty="0" smtClean="0"/>
+              <a:t>.</a:t>
+            </a:r>
+            <a:br>
+              <a:rPr lang="en-US" dirty="0" smtClean="0"/>
+            </a:br>
+            <a:endParaRPr lang="en-US" dirty="0" smtClean="0"/>
+          </a:p>
+          <a:p>
+            <a:r>
+              <a:rPr lang="en-US" dirty="0" smtClean="0"/>
+              <a:t>Overkill for your current project, and too time consuming</a:t>
+            </a:r>
+            <a:br>
+              <a:rPr lang="en-US" dirty="0" smtClean="0"/>
+            </a:br>
+            <a:endParaRPr lang="en-US" dirty="0" smtClean="0"/>
+          </a:p>
+          <a:p>
+            <a:endParaRPr lang="en-US" dirty="0"/>
           </a:p>
         </p:txBody>
       </p:sp>
     </p:spTree>
     <p:extLst>
       <p:ext uri="{BB962C8B-B14F-4D97-AF65-F5344CB8AC3E}">
-        <p14:creationId xmlns:p14="http://schemas.microsoft.com/office/powerpoint/2010/main" val="1963742843"/>
+        <p14:creationId xmlns:p14="http://schemas.microsoft.com/office/powerpoint/2010/main" val="93958436"/>
       </p:ext>
     </p:extLst>
   </p:cSld>
@@ -6182,7 +6308,7 @@
             <a:spLocks noGrp="1"/>
           </p:cNvSpPr>
           <p:nvPr>
-            <p:ph type="title"/>
+            <p:ph type="ctrTitle"/>
           </p:nvPr>
         </p:nvSpPr>
         <p:spPr/>
@@ -6190,22 +6316,23 @@
           <a:bodyPr/>
           <a:lstStyle/>
           <a:p>
+            <a:pPr algn="ctr"/>
             <a:r>
               <a:rPr lang="en-US" dirty="0" smtClean="0"/>
-              <a:t>Get d3</a:t>
-            </a:r>
-            <a:endParaRPr lang="en-US" dirty="0"/>
-          </a:p>
-        </p:txBody>
-      </p:sp>
-      <p:sp>
-        <p:nvSpPr>
-          <p:cNvPr id="3" name="Content Placeholder 2"/>
-          <p:cNvSpPr>
-            <a:spLocks noGrp="1"/>
-          </p:cNvSpPr>
-          <p:nvPr>
-            <p:ph idx="1"/>
+              <a:t>Let’s get started</a:t>
+            </a:r>
+            <a:endParaRPr lang="en-US" dirty="0"/>
+          </a:p>
+        </p:txBody>
+      </p:sp>
+      <p:sp>
+        <p:nvSpPr>
+          <p:cNvPr id="3" name="Subtitle 2"/>
+          <p:cNvSpPr>
+            <a:spLocks noGrp="1"/>
+          </p:cNvSpPr>
+          <p:nvPr>
+            <p:ph type="subTitle" idx="1"/>
           </p:nvPr>
         </p:nvSpPr>
         <p:spPr/>
@@ -6213,94 +6340,14 @@
           <a:bodyPr/>
           <a:lstStyle/>
           <a:p>
-            <a:pPr marL="457200" indent="-457200">
-              <a:buFont typeface="+mj-lt"/>
-              <a:buAutoNum type="arabicPeriod"/>
-            </a:pPr>
-            <a:r>
-              <a:rPr lang="en-US" dirty="0" smtClean="0"/>
-              <a:t>Download and unzip the latest version of d3 from their website (Version 4.4.0)</a:t>
-            </a:r>
-          </a:p>
-          <a:p>
-            <a:pPr marL="457200" indent="-457200">
-              <a:buFont typeface="+mj-lt"/>
-              <a:buAutoNum type="arabicPeriod"/>
-            </a:pPr>
-            <a:endParaRPr lang="en-US" dirty="0"/>
-          </a:p>
-          <a:p>
-            <a:pPr marL="457200" indent="-457200">
-              <a:buFont typeface="+mj-lt"/>
-              <a:buAutoNum type="arabicPeriod"/>
-            </a:pPr>
-            <a:r>
-              <a:rPr lang="en-US" dirty="0" smtClean="0"/>
-              <a:t>Add the script “</a:t>
-            </a:r>
-            <a:r>
-              <a:rPr lang="en-US" dirty="0"/>
-              <a:t>&lt;script </a:t>
-            </a:r>
-            <a:r>
-              <a:rPr lang="en-US" dirty="0" err="1"/>
-              <a:t>src</a:t>
-            </a:r>
-            <a:r>
-              <a:rPr lang="en-US" dirty="0"/>
-              <a:t>="https://d3js.org/d3.v4.min.js"&gt;&lt;/script</a:t>
-            </a:r>
-            <a:r>
-              <a:rPr lang="en-US" dirty="0" smtClean="0"/>
-              <a:t>&gt;” to HTML</a:t>
-            </a:r>
-          </a:p>
-          <a:p>
-            <a:pPr marL="457200" indent="-457200">
-              <a:buFont typeface="+mj-lt"/>
-              <a:buAutoNum type="arabicPeriod"/>
-            </a:pPr>
-            <a:endParaRPr lang="en-US" dirty="0"/>
-          </a:p>
-          <a:p>
-            <a:pPr marL="457200" indent="-457200">
-              <a:buFont typeface="+mj-lt"/>
-              <a:buAutoNum type="arabicPeriod"/>
-            </a:pPr>
-            <a:r>
-              <a:rPr lang="en-US" dirty="0"/>
-              <a:t>Go to repo for this presentation </a:t>
-            </a:r>
-            <a:r>
-              <a:rPr lang="en-US" dirty="0" smtClean="0">
-                <a:hlinkClick r:id="rId2"/>
-              </a:rPr>
-              <a:t>https</a:t>
-            </a:r>
-            <a:r>
-              <a:rPr lang="en-US" dirty="0">
-                <a:hlinkClick r:id="rId2"/>
-              </a:rPr>
-              <a:t>://</a:t>
-            </a:r>
-            <a:r>
-              <a:rPr lang="en-US" dirty="0" smtClean="0">
-                <a:hlinkClick r:id="rId2"/>
-              </a:rPr>
-              <a:t>github.com/davidnyuan/343ExtraCreditTutorial</a:t>
-            </a:r>
-            <a:r>
-              <a:rPr lang="en-US" dirty="0" smtClean="0"/>
-              <a:t> and grab folder from there</a:t>
-            </a:r>
-            <a:endParaRPr lang="en-US" dirty="0"/>
+            <a:endParaRPr lang="en-US"/>
           </a:p>
         </p:txBody>
       </p:sp>
     </p:spTree>
     <p:extLst>
       <p:ext uri="{BB962C8B-B14F-4D97-AF65-F5344CB8AC3E}">
-        <p14:creationId xmlns:p14="http://schemas.microsoft.com/office/powerpoint/2010/main" val="1429411761"/>
+        <p14:creationId xmlns:p14="http://schemas.microsoft.com/office/powerpoint/2010/main" val="1963742843"/>
       </p:ext>
     </p:extLst>
   </p:cSld>
@@ -6344,6 +6391,158 @@
           <a:p>
             <a:r>
               <a:rPr lang="en-US" dirty="0" smtClean="0"/>
+              <a:t>Get d3</a:t>
+            </a:r>
+            <a:endParaRPr lang="en-US" dirty="0"/>
+          </a:p>
+        </p:txBody>
+      </p:sp>
+      <p:sp>
+        <p:nvSpPr>
+          <p:cNvPr id="3" name="Content Placeholder 2"/>
+          <p:cNvSpPr>
+            <a:spLocks noGrp="1"/>
+          </p:cNvSpPr>
+          <p:nvPr>
+            <p:ph idx="1"/>
+          </p:nvPr>
+        </p:nvSpPr>
+        <p:spPr/>
+        <p:txBody>
+          <a:bodyPr/>
+          <a:lstStyle/>
+          <a:p>
+            <a:pPr marL="457200" indent="-457200">
+              <a:buFont typeface="+mj-lt"/>
+              <a:buAutoNum type="arabicPeriod"/>
+            </a:pPr>
+            <a:r>
+              <a:rPr lang="en-US" dirty="0" smtClean="0"/>
+              <a:t>Download and unzip the latest version of d3 from their website (Version 4.4.0)</a:t>
+            </a:r>
+          </a:p>
+          <a:p>
+            <a:pPr marL="457200" indent="-457200">
+              <a:buFont typeface="+mj-lt"/>
+              <a:buAutoNum type="arabicPeriod"/>
+            </a:pPr>
+            <a:endParaRPr lang="en-US" dirty="0"/>
+          </a:p>
+          <a:p>
+            <a:pPr marL="457200" indent="-457200">
+              <a:buFont typeface="+mj-lt"/>
+              <a:buAutoNum type="arabicPeriod"/>
+            </a:pPr>
+            <a:r>
+              <a:rPr lang="en-US" dirty="0" smtClean="0"/>
+              <a:t>Add the script “</a:t>
+            </a:r>
+            <a:r>
+              <a:rPr lang="en-US" dirty="0"/>
+              <a:t>&lt;script </a:t>
+            </a:r>
+            <a:r>
+              <a:rPr lang="en-US" dirty="0" err="1"/>
+              <a:t>src</a:t>
+            </a:r>
+            <a:r>
+              <a:rPr lang="en-US" dirty="0"/>
+              <a:t>="https://d3js.org/d3.v4.min.js"&gt;&lt;/script</a:t>
+            </a:r>
+            <a:r>
+              <a:rPr lang="en-US" dirty="0" smtClean="0"/>
+              <a:t>&gt;” to HTML</a:t>
+            </a:r>
+          </a:p>
+          <a:p>
+            <a:pPr marL="457200" indent="-457200">
+              <a:buFont typeface="+mj-lt"/>
+              <a:buAutoNum type="arabicPeriod"/>
+            </a:pPr>
+            <a:endParaRPr lang="en-US" dirty="0"/>
+          </a:p>
+          <a:p>
+            <a:pPr marL="457200" indent="-457200">
+              <a:buFont typeface="+mj-lt"/>
+              <a:buAutoNum type="arabicPeriod"/>
+            </a:pPr>
+            <a:r>
+              <a:rPr lang="en-US" dirty="0"/>
+              <a:t>Go to repo for this presentation </a:t>
+            </a:r>
+            <a:r>
+              <a:rPr lang="en-US" dirty="0" smtClean="0">
+                <a:hlinkClick r:id="rId2"/>
+              </a:rPr>
+              <a:t>https</a:t>
+            </a:r>
+            <a:r>
+              <a:rPr lang="en-US" dirty="0">
+                <a:hlinkClick r:id="rId2"/>
+              </a:rPr>
+              <a:t>://</a:t>
+            </a:r>
+            <a:r>
+              <a:rPr lang="en-US" dirty="0" smtClean="0">
+                <a:hlinkClick r:id="rId2"/>
+              </a:rPr>
+              <a:t>github.com/davidnyuan/343ExtraCreditTutorial</a:t>
+            </a:r>
+            <a:r>
+              <a:rPr lang="en-US" dirty="0" smtClean="0"/>
+              <a:t> and grab folder from there</a:t>
+            </a:r>
+            <a:endParaRPr lang="en-US" dirty="0"/>
+          </a:p>
+        </p:txBody>
+      </p:sp>
+    </p:spTree>
+    <p:extLst>
+      <p:ext uri="{BB962C8B-B14F-4D97-AF65-F5344CB8AC3E}">
+        <p14:creationId xmlns:p14="http://schemas.microsoft.com/office/powerpoint/2010/main" val="1429411761"/>
+      </p:ext>
+    </p:extLst>
+  </p:cSld>
+  <p:clrMapOvr>
+    <a:masterClrMapping/>
+  </p:clrMapOvr>
+</p:sld>
+</file>
+
+<file path=ppt/slides/slide8.xml><?xml version="1.0" encoding="utf-8"?>
+<p:sld xmlns:a="http://schemas.openxmlformats.org/drawingml/2006/main" xmlns:r="http://schemas.openxmlformats.org/officeDocument/2006/relationships" xmlns:p="http://schemas.openxmlformats.org/presentationml/2006/main">
+  <p:cSld>
+    <p:spTree>
+      <p:nvGrpSpPr>
+        <p:cNvPr id="1" name=""/>
+        <p:cNvGrpSpPr/>
+        <p:nvPr/>
+      </p:nvGrpSpPr>
+      <p:grpSpPr>
+        <a:xfrm>
+          <a:off x="0" y="0"/>
+          <a:ext cx="0" cy="0"/>
+          <a:chOff x="0" y="0"/>
+          <a:chExt cx="0" cy="0"/>
+        </a:xfrm>
+      </p:grpSpPr>
+      <p:sp>
+        <p:nvSpPr>
+          <p:cNvPr id="2" name="Title 1"/>
+          <p:cNvSpPr>
+            <a:spLocks noGrp="1"/>
+          </p:cNvSpPr>
+          <p:nvPr>
+            <p:ph type="title"/>
+          </p:nvPr>
+        </p:nvSpPr>
+        <p:spPr/>
+        <p:txBody>
+          <a:bodyPr/>
+          <a:lstStyle/>
+          <a:p>
+            <a:r>
+              <a:rPr lang="en-US" dirty="0" smtClean="0"/>
               <a:t>Quick Notes</a:t>
             </a:r>
             <a:endParaRPr lang="en-US" dirty="0"/>
@@ -6474,11 +6673,7 @@
             </a:r>
             <a:r>
               <a:rPr lang="en-US" dirty="0" smtClean="0"/>
-              <a:t>”) to allow us to </a:t>
-            </a:r>
-            <a:r>
-              <a:rPr lang="en-US" smtClean="0"/>
-              <a:t>select specific tags to manipulate</a:t>
+              <a:t>”) to allow us to select specific tags to manipulate</a:t>
             </a:r>
             <a:endParaRPr lang="en-US" dirty="0"/>
           </a:p>
